--- a/Questions/Question_1/Question_1.pptx
+++ b/Questions/Question_1/Question_1.pptx
@@ -3213,7 +3213,12 @@
             <p:ph type="title"/>
           </p:nvPr>
         </p:nvSpPr>
-        <p:spPr/>
+        <p:spPr>
+          <a:xfrm>
+            <a:off x="457201" y="204787"/>
+            <a:ext cx="3008313" cy="871538"/>
+          </a:xfrm>
+        </p:spPr>
         <p:txBody>
           <a:bodyPr/>
           <a:lstStyle/>
@@ -3224,6 +3229,31 @@
             <a:r>
               <a:rPr/>
               <a:t>Analysis of First Moment</a:t>
+            </a:r>
+          </a:p>
+        </p:txBody>
+      </p:sp>
+      <p:sp>
+        <p:nvSpPr>
+          <p:cNvPr id="4" name="Text Placeholder 3"/>
+          <p:cNvSpPr>
+            <a:spLocks noGrp="1"/>
+          </p:cNvSpPr>
+          <p:nvPr>
+            <p:ph idx="2" sz="half" type="body"/>
+          </p:nvPr>
+        </p:nvSpPr>
+        <p:spPr/>
+        <p:txBody>
+          <a:bodyPr/>
+          <a:lstStyle/>
+          <a:p>
+            <a:pPr lvl="0" indent="0" marL="0">
+              <a:buNone/>
+            </a:pPr>
+            <a:r>
+              <a:rPr/>
+              <a:t>As can be seen in the figure, the fund with the best returns is dependent on the timing of your investment. At the most recent date the 3 year rolling returns of the AI, Benchmark and median are almost indistinguishable.</a:t>
             </a:r>
           </a:p>
         </p:txBody>
@@ -3244,8 +3274,8 @@
         </p:blipFill>
         <p:spPr bwMode="auto">
           <a:xfrm>
-            <a:off x="2451100" y="1193800"/>
-            <a:ext cx="4241800" cy="3390900"/>
+            <a:off x="3568700" y="355600"/>
+            <a:ext cx="5105400" cy="4089400"/>
           </a:xfrm>
           <a:prstGeom prst="rect">
             <a:avLst/>
@@ -3290,7 +3320,12 @@
             <p:ph type="title"/>
           </p:nvPr>
         </p:nvSpPr>
-        <p:spPr/>
+        <p:spPr>
+          <a:xfrm>
+            <a:off x="457201" y="204787"/>
+            <a:ext cx="3008313" cy="871538"/>
+          </a:xfrm>
+        </p:spPr>
         <p:txBody>
           <a:bodyPr/>
           <a:lstStyle/>
@@ -3301,6 +3336,31 @@
             <a:r>
               <a:rPr/>
               <a:t>Analysis of Second Moment</a:t>
+            </a:r>
+          </a:p>
+        </p:txBody>
+      </p:sp>
+      <p:sp>
+        <p:nvSpPr>
+          <p:cNvPr id="4" name="Text Placeholder 3"/>
+          <p:cNvSpPr>
+            <a:spLocks noGrp="1"/>
+          </p:cNvSpPr>
+          <p:nvPr>
+            <p:ph idx="2" sz="half" type="body"/>
+          </p:nvPr>
+        </p:nvSpPr>
+        <p:spPr/>
+        <p:txBody>
+          <a:bodyPr/>
+          <a:lstStyle/>
+          <a:p>
+            <a:pPr lvl="0" indent="0" marL="0">
+              <a:buNone/>
+            </a:pPr>
+            <a:r>
+              <a:rPr/>
+              <a:t>The ranking of the volatility of the funds is dependent on the time frame, except for the best fund, which consistently has higher volatility. For a long time (2013 - 2020) the median fund had higher rolling standard deviations, however this has changed post 2020.</a:t>
             </a:r>
           </a:p>
         </p:txBody>
@@ -3321,8 +3381,8 @@
         </p:blipFill>
         <p:spPr bwMode="auto">
           <a:xfrm>
-            <a:off x="2451100" y="1193800"/>
-            <a:ext cx="4241800" cy="3390900"/>
+            <a:off x="3568700" y="355600"/>
+            <a:ext cx="5105400" cy="4089400"/>
           </a:xfrm>
           <a:prstGeom prst="rect">
             <a:avLst/>
@@ -3367,7 +3427,12 @@
             <p:ph type="title"/>
           </p:nvPr>
         </p:nvSpPr>
-        <p:spPr/>
+        <p:spPr>
+          <a:xfrm>
+            <a:off x="457201" y="204787"/>
+            <a:ext cx="3008313" cy="871538"/>
+          </a:xfrm>
+        </p:spPr>
         <p:txBody>
           <a:bodyPr/>
           <a:lstStyle/>
@@ -3378,6 +3443,31 @@
             <a:r>
               <a:rPr/>
               <a:t>Fund Specific Distributions</a:t>
+            </a:r>
+          </a:p>
+        </p:txBody>
+      </p:sp>
+      <p:sp>
+        <p:nvSpPr>
+          <p:cNvPr id="4" name="Text Placeholder 3"/>
+          <p:cNvSpPr>
+            <a:spLocks noGrp="1"/>
+          </p:cNvSpPr>
+          <p:nvPr>
+            <p:ph idx="2" sz="half" type="body"/>
+          </p:nvPr>
+        </p:nvSpPr>
+        <p:spPr/>
+        <p:txBody>
+          <a:bodyPr/>
+          <a:lstStyle/>
+          <a:p>
+            <a:pPr lvl="0" indent="0" marL="0">
+              <a:buNone/>
+            </a:pPr>
+            <a:r>
+              <a:rPr/>
+              <a:t>We can see from the plot that the mean of the rolling returns of the AI and benchmark funds are higher than the median when taking a 1.5% fee into consideration. They also have fatter right skewed tails than the median fund.</a:t>
             </a:r>
           </a:p>
         </p:txBody>
@@ -3398,8 +3488,8 @@
         </p:blipFill>
         <p:spPr bwMode="auto">
           <a:xfrm>
-            <a:off x="2451100" y="1193800"/>
-            <a:ext cx="4241800" cy="3390900"/>
+            <a:off x="3568700" y="355600"/>
+            <a:ext cx="5105400" cy="4089400"/>
           </a:xfrm>
           <a:prstGeom prst="rect">
             <a:avLst/>
@@ -3444,7 +3534,12 @@
             <p:ph type="title"/>
           </p:nvPr>
         </p:nvSpPr>
-        <p:spPr/>
+        <p:spPr>
+          <a:xfrm>
+            <a:off x="457201" y="204787"/>
+            <a:ext cx="3008313" cy="871538"/>
+          </a:xfrm>
+        </p:spPr>
         <p:txBody>
           <a:bodyPr/>
           <a:lstStyle/>
@@ -3455,6 +3550,31 @@
             <a:r>
               <a:rPr/>
               <a:t>Distributions Across All Active Funds</a:t>
+            </a:r>
+          </a:p>
+        </p:txBody>
+      </p:sp>
+      <p:sp>
+        <p:nvSpPr>
+          <p:cNvPr id="4" name="Text Placeholder 3"/>
+          <p:cNvSpPr>
+            <a:spLocks noGrp="1"/>
+          </p:cNvSpPr>
+          <p:nvPr>
+            <p:ph idx="2" sz="half" type="body"/>
+          </p:nvPr>
+        </p:nvSpPr>
+        <p:spPr/>
+        <p:txBody>
+          <a:bodyPr/>
+          <a:lstStyle/>
+          <a:p>
+            <a:pPr lvl="0" indent="0" marL="0">
+              <a:buNone/>
+            </a:pPr>
+            <a:r>
+              <a:rPr/>
+              <a:t>When comparing the AI fund to the distributions of all active manager returns we see that the AI fund is more right skewed and with a higher mean. This difference only grows depending on the fee that the active manager asks.</a:t>
             </a:r>
           </a:p>
         </p:txBody>
@@ -3475,8 +3595,8 @@
         </p:blipFill>
         <p:spPr bwMode="auto">
           <a:xfrm>
-            <a:off x="2451100" y="1193800"/>
-            <a:ext cx="4241800" cy="3390900"/>
+            <a:off x="3568700" y="355600"/>
+            <a:ext cx="5105400" cy="4089400"/>
           </a:xfrm>
           <a:prstGeom prst="rect">
             <a:avLst/>
